--- a/images/cover.pptx
+++ b/images/cover.pptx
@@ -2,14 +2,14 @@
 <file path=ppt/presentation.xml><?xml version="1.0" encoding="utf-8"?>
 <p:presentation xmlns:a="http://schemas.openxmlformats.org/drawingml/2006/main" xmlns:r="http://schemas.openxmlformats.org/officeDocument/2006/relationships" xmlns:p="http://schemas.openxmlformats.org/presentationml/2006/main" saveSubsetFonts="1">
   <p:sldMasterIdLst>
-    <p:sldMasterId id="2147483660" r:id="rId1"/>
+    <p:sldMasterId id="2147483684" r:id="rId1"/>
   </p:sldMasterIdLst>
   <p:sldIdLst>
     <p:sldId id="263" r:id="rId2"/>
     <p:sldId id="261" r:id="rId3"/>
     <p:sldId id="264" r:id="rId4"/>
   </p:sldIdLst>
-  <p:sldSz cx="6858000" cy="9906000" type="A4"/>
+  <p:sldSz cx="23622000" cy="33413700"/>
   <p:notesSz cx="6858000" cy="9144000"/>
   <p:defaultTextStyle>
     <a:defPPr>
@@ -143,15 +143,15 @@
         </p:nvSpPr>
         <p:spPr>
           <a:xfrm>
-            <a:off x="514350" y="1621191"/>
-            <a:ext cx="5829300" cy="3448756"/>
+            <a:off x="1771650" y="5468402"/>
+            <a:ext cx="20078700" cy="11632918"/>
           </a:xfrm>
         </p:spPr>
         <p:txBody>
           <a:bodyPr anchor="b"/>
           <a:lstStyle>
             <a:lvl1pPr algn="ctr">
-              <a:defRPr sz="4500"/>
+              <a:defRPr sz="15500"/>
             </a:lvl1pPr>
           </a:lstStyle>
           <a:p>
@@ -175,8 +175,8 @@
         </p:nvSpPr>
         <p:spPr>
           <a:xfrm>
-            <a:off x="857250" y="5202944"/>
-            <a:ext cx="5143500" cy="2391656"/>
+            <a:off x="2952750" y="17549930"/>
+            <a:ext cx="17716500" cy="8067240"/>
           </a:xfrm>
         </p:spPr>
         <p:txBody>
@@ -184,39 +184,39 @@
           <a:lstStyle>
             <a:lvl1pPr marL="0" indent="0" algn="ctr">
               <a:buNone/>
-              <a:defRPr sz="1800"/>
+              <a:defRPr sz="6200"/>
             </a:lvl1pPr>
-            <a:lvl2pPr marL="342900" indent="0" algn="ctr">
-              <a:buNone/>
-              <a:defRPr sz="1500"/>
+            <a:lvl2pPr marL="1181085" indent="0" algn="ctr">
+              <a:buNone/>
+              <a:defRPr sz="5167"/>
             </a:lvl2pPr>
-            <a:lvl3pPr marL="685800" indent="0" algn="ctr">
-              <a:buNone/>
-              <a:defRPr sz="1350"/>
+            <a:lvl3pPr marL="2362170" indent="0" algn="ctr">
+              <a:buNone/>
+              <a:defRPr sz="4650"/>
             </a:lvl3pPr>
-            <a:lvl4pPr marL="1028700" indent="0" algn="ctr">
-              <a:buNone/>
-              <a:defRPr sz="1200"/>
+            <a:lvl4pPr marL="3543254" indent="0" algn="ctr">
+              <a:buNone/>
+              <a:defRPr sz="4133"/>
             </a:lvl4pPr>
-            <a:lvl5pPr marL="1371600" indent="0" algn="ctr">
-              <a:buNone/>
-              <a:defRPr sz="1200"/>
+            <a:lvl5pPr marL="4724339" indent="0" algn="ctr">
+              <a:buNone/>
+              <a:defRPr sz="4133"/>
             </a:lvl5pPr>
-            <a:lvl6pPr marL="1714500" indent="0" algn="ctr">
-              <a:buNone/>
-              <a:defRPr sz="1200"/>
+            <a:lvl6pPr marL="5905424" indent="0" algn="ctr">
+              <a:buNone/>
+              <a:defRPr sz="4133"/>
             </a:lvl6pPr>
-            <a:lvl7pPr marL="2057400" indent="0" algn="ctr">
-              <a:buNone/>
-              <a:defRPr sz="1200"/>
+            <a:lvl7pPr marL="7086509" indent="0" algn="ctr">
+              <a:buNone/>
+              <a:defRPr sz="4133"/>
             </a:lvl7pPr>
-            <a:lvl8pPr marL="2400300" indent="0" algn="ctr">
-              <a:buNone/>
-              <a:defRPr sz="1200"/>
+            <a:lvl8pPr marL="8267593" indent="0" algn="ctr">
+              <a:buNone/>
+              <a:defRPr sz="4133"/>
             </a:lvl8pPr>
-            <a:lvl9pPr marL="2743200" indent="0" algn="ctr">
-              <a:buNone/>
-              <a:defRPr sz="1200"/>
+            <a:lvl9pPr marL="9448678" indent="0" algn="ctr">
+              <a:buNone/>
+              <a:defRPr sz="4133"/>
             </a:lvl9pPr>
           </a:lstStyle>
           <a:p>
@@ -296,7 +296,7 @@
     </p:spTree>
     <p:extLst>
       <p:ext uri="{BB962C8B-B14F-4D97-AF65-F5344CB8AC3E}">
-        <p14:creationId xmlns:p14="http://schemas.microsoft.com/office/powerpoint/2010/main" val="393963977"/>
+        <p14:creationId xmlns:p14="http://schemas.microsoft.com/office/powerpoint/2010/main" val="1837505100"/>
       </p:ext>
     </p:extLst>
   </p:cSld>
@@ -466,7 +466,7 @@
     </p:spTree>
     <p:extLst>
       <p:ext uri="{BB962C8B-B14F-4D97-AF65-F5344CB8AC3E}">
-        <p14:creationId xmlns:p14="http://schemas.microsoft.com/office/powerpoint/2010/main" val="1993841334"/>
+        <p14:creationId xmlns:p14="http://schemas.microsoft.com/office/powerpoint/2010/main" val="2724940750"/>
       </p:ext>
     </p:extLst>
   </p:cSld>
@@ -505,8 +505,8 @@
         </p:nvSpPr>
         <p:spPr>
           <a:xfrm>
-            <a:off x="4907757" y="527403"/>
-            <a:ext cx="1478756" cy="8394877"/>
+            <a:off x="16904495" y="1778970"/>
+            <a:ext cx="5093494" cy="28316566"/>
           </a:xfrm>
         </p:spPr>
         <p:txBody>
@@ -533,8 +533,8 @@
         </p:nvSpPr>
         <p:spPr>
           <a:xfrm>
-            <a:off x="471488" y="527403"/>
-            <a:ext cx="4350544" cy="8394877"/>
+            <a:off x="1624014" y="1778970"/>
+            <a:ext cx="14985206" cy="28316566"/>
           </a:xfrm>
         </p:spPr>
         <p:txBody>
@@ -646,7 +646,7 @@
     </p:spTree>
     <p:extLst>
       <p:ext uri="{BB962C8B-B14F-4D97-AF65-F5344CB8AC3E}">
-        <p14:creationId xmlns:p14="http://schemas.microsoft.com/office/powerpoint/2010/main" val="25414531"/>
+        <p14:creationId xmlns:p14="http://schemas.microsoft.com/office/powerpoint/2010/main" val="2273105209"/>
       </p:ext>
     </p:extLst>
   </p:cSld>
@@ -816,7 +816,7 @@
     </p:spTree>
     <p:extLst>
       <p:ext uri="{BB962C8B-B14F-4D97-AF65-F5344CB8AC3E}">
-        <p14:creationId xmlns:p14="http://schemas.microsoft.com/office/powerpoint/2010/main" val="924665731"/>
+        <p14:creationId xmlns:p14="http://schemas.microsoft.com/office/powerpoint/2010/main" val="2167718850"/>
       </p:ext>
     </p:extLst>
   </p:cSld>
@@ -855,15 +855,15 @@
         </p:nvSpPr>
         <p:spPr>
           <a:xfrm>
-            <a:off x="467916" y="2469624"/>
-            <a:ext cx="5915025" cy="4120620"/>
+            <a:off x="1611711" y="8330231"/>
+            <a:ext cx="20373975" cy="13899169"/>
           </a:xfrm>
         </p:spPr>
         <p:txBody>
           <a:bodyPr anchor="b"/>
           <a:lstStyle>
             <a:lvl1pPr>
-              <a:defRPr sz="4500"/>
+              <a:defRPr sz="15500"/>
             </a:lvl1pPr>
           </a:lstStyle>
           <a:p>
@@ -887,8 +887,8 @@
         </p:nvSpPr>
         <p:spPr>
           <a:xfrm>
-            <a:off x="467916" y="6629226"/>
-            <a:ext cx="5915025" cy="2166937"/>
+            <a:off x="1611711" y="22360891"/>
+            <a:ext cx="20373975" cy="7309244"/>
           </a:xfrm>
         </p:spPr>
         <p:txBody>
@@ -896,15 +896,15 @@
           <a:lstStyle>
             <a:lvl1pPr marL="0" indent="0">
               <a:buNone/>
-              <a:defRPr sz="1800">
+              <a:defRPr sz="6200">
                 <a:solidFill>
                   <a:schemeClr val="tx1"/>
                 </a:solidFill>
               </a:defRPr>
             </a:lvl1pPr>
-            <a:lvl2pPr marL="342900" indent="0">
-              <a:buNone/>
-              <a:defRPr sz="1500">
+            <a:lvl2pPr marL="1181085" indent="0">
+              <a:buNone/>
+              <a:defRPr sz="5167">
                 <a:solidFill>
                   <a:schemeClr val="tx1">
                     <a:tint val="75000"/>
@@ -912,9 +912,9 @@
                 </a:solidFill>
               </a:defRPr>
             </a:lvl2pPr>
-            <a:lvl3pPr marL="685800" indent="0">
-              <a:buNone/>
-              <a:defRPr sz="1350">
+            <a:lvl3pPr marL="2362170" indent="0">
+              <a:buNone/>
+              <a:defRPr sz="4650">
                 <a:solidFill>
                   <a:schemeClr val="tx1">
                     <a:tint val="75000"/>
@@ -922,9 +922,9 @@
                 </a:solidFill>
               </a:defRPr>
             </a:lvl3pPr>
-            <a:lvl4pPr marL="1028700" indent="0">
-              <a:buNone/>
-              <a:defRPr sz="1200">
+            <a:lvl4pPr marL="3543254" indent="0">
+              <a:buNone/>
+              <a:defRPr sz="4133">
                 <a:solidFill>
                   <a:schemeClr val="tx1">
                     <a:tint val="75000"/>
@@ -932,9 +932,9 @@
                 </a:solidFill>
               </a:defRPr>
             </a:lvl4pPr>
-            <a:lvl5pPr marL="1371600" indent="0">
-              <a:buNone/>
-              <a:defRPr sz="1200">
+            <a:lvl5pPr marL="4724339" indent="0">
+              <a:buNone/>
+              <a:defRPr sz="4133">
                 <a:solidFill>
                   <a:schemeClr val="tx1">
                     <a:tint val="75000"/>
@@ -942,9 +942,9 @@
                 </a:solidFill>
               </a:defRPr>
             </a:lvl5pPr>
-            <a:lvl6pPr marL="1714500" indent="0">
-              <a:buNone/>
-              <a:defRPr sz="1200">
+            <a:lvl6pPr marL="5905424" indent="0">
+              <a:buNone/>
+              <a:defRPr sz="4133">
                 <a:solidFill>
                   <a:schemeClr val="tx1">
                     <a:tint val="75000"/>
@@ -952,9 +952,9 @@
                 </a:solidFill>
               </a:defRPr>
             </a:lvl6pPr>
-            <a:lvl7pPr marL="2057400" indent="0">
-              <a:buNone/>
-              <a:defRPr sz="1200">
+            <a:lvl7pPr marL="7086509" indent="0">
+              <a:buNone/>
+              <a:defRPr sz="4133">
                 <a:solidFill>
                   <a:schemeClr val="tx1">
                     <a:tint val="75000"/>
@@ -962,9 +962,9 @@
                 </a:solidFill>
               </a:defRPr>
             </a:lvl7pPr>
-            <a:lvl8pPr marL="2400300" indent="0">
-              <a:buNone/>
-              <a:defRPr sz="1200">
+            <a:lvl8pPr marL="8267593" indent="0">
+              <a:buNone/>
+              <a:defRPr sz="4133">
                 <a:solidFill>
                   <a:schemeClr val="tx1">
                     <a:tint val="75000"/>
@@ -972,9 +972,9 @@
                 </a:solidFill>
               </a:defRPr>
             </a:lvl8pPr>
-            <a:lvl9pPr marL="2743200" indent="0">
-              <a:buNone/>
-              <a:defRPr sz="1200">
+            <a:lvl9pPr marL="9448678" indent="0">
+              <a:buNone/>
+              <a:defRPr sz="4133">
                 <a:solidFill>
                   <a:schemeClr val="tx1">
                     <a:tint val="75000"/>
@@ -1060,7 +1060,7 @@
     </p:spTree>
     <p:extLst>
       <p:ext uri="{BB962C8B-B14F-4D97-AF65-F5344CB8AC3E}">
-        <p14:creationId xmlns:p14="http://schemas.microsoft.com/office/powerpoint/2010/main" val="3153866215"/>
+        <p14:creationId xmlns:p14="http://schemas.microsoft.com/office/powerpoint/2010/main" val="696146386"/>
       </p:ext>
     </p:extLst>
   </p:cSld>
@@ -1122,8 +1122,8 @@
         </p:nvSpPr>
         <p:spPr>
           <a:xfrm>
-            <a:off x="471488" y="2637014"/>
-            <a:ext cx="2914650" cy="6285266"/>
+            <a:off x="1624013" y="8894851"/>
+            <a:ext cx="10039350" cy="21200686"/>
           </a:xfrm>
         </p:spPr>
         <p:txBody>
@@ -1179,8 +1179,8 @@
         </p:nvSpPr>
         <p:spPr>
           <a:xfrm>
-            <a:off x="3471863" y="2637014"/>
-            <a:ext cx="2914650" cy="6285266"/>
+            <a:off x="11958638" y="8894851"/>
+            <a:ext cx="10039350" cy="21200686"/>
           </a:xfrm>
         </p:spPr>
         <p:txBody>
@@ -1292,7 +1292,7 @@
     </p:spTree>
     <p:extLst>
       <p:ext uri="{BB962C8B-B14F-4D97-AF65-F5344CB8AC3E}">
-        <p14:creationId xmlns:p14="http://schemas.microsoft.com/office/powerpoint/2010/main" val="3850657295"/>
+        <p14:creationId xmlns:p14="http://schemas.microsoft.com/office/powerpoint/2010/main" val="2734473945"/>
       </p:ext>
     </p:extLst>
   </p:cSld>
@@ -1331,8 +1331,8 @@
         </p:nvSpPr>
         <p:spPr>
           <a:xfrm>
-            <a:off x="472381" y="527405"/>
-            <a:ext cx="5915025" cy="1914702"/>
+            <a:off x="1627089" y="1778977"/>
+            <a:ext cx="20373975" cy="6458438"/>
           </a:xfrm>
         </p:spPr>
         <p:txBody>
@@ -1359,8 +1359,8 @@
         </p:nvSpPr>
         <p:spPr>
           <a:xfrm>
-            <a:off x="472381" y="2428347"/>
-            <a:ext cx="2901255" cy="1190095"/>
+            <a:off x="1627092" y="8191000"/>
+            <a:ext cx="9993212" cy="4014282"/>
           </a:xfrm>
         </p:spPr>
         <p:txBody>
@@ -1368,39 +1368,39 @@
           <a:lstStyle>
             <a:lvl1pPr marL="0" indent="0">
               <a:buNone/>
-              <a:defRPr sz="1800" b="1"/>
+              <a:defRPr sz="6200" b="1"/>
             </a:lvl1pPr>
-            <a:lvl2pPr marL="342900" indent="0">
-              <a:buNone/>
-              <a:defRPr sz="1500" b="1"/>
+            <a:lvl2pPr marL="1181085" indent="0">
+              <a:buNone/>
+              <a:defRPr sz="5167" b="1"/>
             </a:lvl2pPr>
-            <a:lvl3pPr marL="685800" indent="0">
-              <a:buNone/>
-              <a:defRPr sz="1350" b="1"/>
+            <a:lvl3pPr marL="2362170" indent="0">
+              <a:buNone/>
+              <a:defRPr sz="4650" b="1"/>
             </a:lvl3pPr>
-            <a:lvl4pPr marL="1028700" indent="0">
-              <a:buNone/>
-              <a:defRPr sz="1200" b="1"/>
+            <a:lvl4pPr marL="3543254" indent="0">
+              <a:buNone/>
+              <a:defRPr sz="4133" b="1"/>
             </a:lvl4pPr>
-            <a:lvl5pPr marL="1371600" indent="0">
-              <a:buNone/>
-              <a:defRPr sz="1200" b="1"/>
+            <a:lvl5pPr marL="4724339" indent="0">
+              <a:buNone/>
+              <a:defRPr sz="4133" b="1"/>
             </a:lvl5pPr>
-            <a:lvl6pPr marL="1714500" indent="0">
-              <a:buNone/>
-              <a:defRPr sz="1200" b="1"/>
+            <a:lvl6pPr marL="5905424" indent="0">
+              <a:buNone/>
+              <a:defRPr sz="4133" b="1"/>
             </a:lvl6pPr>
-            <a:lvl7pPr marL="2057400" indent="0">
-              <a:buNone/>
-              <a:defRPr sz="1200" b="1"/>
+            <a:lvl7pPr marL="7086509" indent="0">
+              <a:buNone/>
+              <a:defRPr sz="4133" b="1"/>
             </a:lvl7pPr>
-            <a:lvl8pPr marL="2400300" indent="0">
-              <a:buNone/>
-              <a:defRPr sz="1200" b="1"/>
+            <a:lvl8pPr marL="8267593" indent="0">
+              <a:buNone/>
+              <a:defRPr sz="4133" b="1"/>
             </a:lvl8pPr>
-            <a:lvl9pPr marL="2743200" indent="0">
-              <a:buNone/>
-              <a:defRPr sz="1200" b="1"/>
+            <a:lvl9pPr marL="9448678" indent="0">
+              <a:buNone/>
+              <a:defRPr sz="4133" b="1"/>
             </a:lvl9pPr>
           </a:lstStyle>
           <a:p>
@@ -1424,8 +1424,8 @@
         </p:nvSpPr>
         <p:spPr>
           <a:xfrm>
-            <a:off x="472381" y="3618442"/>
-            <a:ext cx="2901255" cy="5322183"/>
+            <a:off x="1627092" y="12205282"/>
+            <a:ext cx="9993212" cy="17952132"/>
           </a:xfrm>
         </p:spPr>
         <p:txBody>
@@ -1481,8 +1481,8 @@
         </p:nvSpPr>
         <p:spPr>
           <a:xfrm>
-            <a:off x="3471863" y="2428347"/>
-            <a:ext cx="2915543" cy="1190095"/>
+            <a:off x="11958639" y="8191000"/>
+            <a:ext cx="10042427" cy="4014282"/>
           </a:xfrm>
         </p:spPr>
         <p:txBody>
@@ -1490,39 +1490,39 @@
           <a:lstStyle>
             <a:lvl1pPr marL="0" indent="0">
               <a:buNone/>
-              <a:defRPr sz="1800" b="1"/>
+              <a:defRPr sz="6200" b="1"/>
             </a:lvl1pPr>
-            <a:lvl2pPr marL="342900" indent="0">
-              <a:buNone/>
-              <a:defRPr sz="1500" b="1"/>
+            <a:lvl2pPr marL="1181085" indent="0">
+              <a:buNone/>
+              <a:defRPr sz="5167" b="1"/>
             </a:lvl2pPr>
-            <a:lvl3pPr marL="685800" indent="0">
-              <a:buNone/>
-              <a:defRPr sz="1350" b="1"/>
+            <a:lvl3pPr marL="2362170" indent="0">
+              <a:buNone/>
+              <a:defRPr sz="4650" b="1"/>
             </a:lvl3pPr>
-            <a:lvl4pPr marL="1028700" indent="0">
-              <a:buNone/>
-              <a:defRPr sz="1200" b="1"/>
+            <a:lvl4pPr marL="3543254" indent="0">
+              <a:buNone/>
+              <a:defRPr sz="4133" b="1"/>
             </a:lvl4pPr>
-            <a:lvl5pPr marL="1371600" indent="0">
-              <a:buNone/>
-              <a:defRPr sz="1200" b="1"/>
+            <a:lvl5pPr marL="4724339" indent="0">
+              <a:buNone/>
+              <a:defRPr sz="4133" b="1"/>
             </a:lvl5pPr>
-            <a:lvl6pPr marL="1714500" indent="0">
-              <a:buNone/>
-              <a:defRPr sz="1200" b="1"/>
+            <a:lvl6pPr marL="5905424" indent="0">
+              <a:buNone/>
+              <a:defRPr sz="4133" b="1"/>
             </a:lvl6pPr>
-            <a:lvl7pPr marL="2057400" indent="0">
-              <a:buNone/>
-              <a:defRPr sz="1200" b="1"/>
+            <a:lvl7pPr marL="7086509" indent="0">
+              <a:buNone/>
+              <a:defRPr sz="4133" b="1"/>
             </a:lvl7pPr>
-            <a:lvl8pPr marL="2400300" indent="0">
-              <a:buNone/>
-              <a:defRPr sz="1200" b="1"/>
+            <a:lvl8pPr marL="8267593" indent="0">
+              <a:buNone/>
+              <a:defRPr sz="4133" b="1"/>
             </a:lvl8pPr>
-            <a:lvl9pPr marL="2743200" indent="0">
-              <a:buNone/>
-              <a:defRPr sz="1200" b="1"/>
+            <a:lvl9pPr marL="9448678" indent="0">
+              <a:buNone/>
+              <a:defRPr sz="4133" b="1"/>
             </a:lvl9pPr>
           </a:lstStyle>
           <a:p>
@@ -1546,8 +1546,8 @@
         </p:nvSpPr>
         <p:spPr>
           <a:xfrm>
-            <a:off x="3471863" y="3618442"/>
-            <a:ext cx="2915543" cy="5322183"/>
+            <a:off x="11958639" y="12205282"/>
+            <a:ext cx="10042427" cy="17952132"/>
           </a:xfrm>
         </p:spPr>
         <p:txBody>
@@ -1659,7 +1659,7 @@
     </p:spTree>
     <p:extLst>
       <p:ext uri="{BB962C8B-B14F-4D97-AF65-F5344CB8AC3E}">
-        <p14:creationId xmlns:p14="http://schemas.microsoft.com/office/powerpoint/2010/main" val="3583776757"/>
+        <p14:creationId xmlns:p14="http://schemas.microsoft.com/office/powerpoint/2010/main" val="2030401662"/>
       </p:ext>
     </p:extLst>
   </p:cSld>
@@ -1777,7 +1777,7 @@
     </p:spTree>
     <p:extLst>
       <p:ext uri="{BB962C8B-B14F-4D97-AF65-F5344CB8AC3E}">
-        <p14:creationId xmlns:p14="http://schemas.microsoft.com/office/powerpoint/2010/main" val="542868258"/>
+        <p14:creationId xmlns:p14="http://schemas.microsoft.com/office/powerpoint/2010/main" val="1303999148"/>
       </p:ext>
     </p:extLst>
   </p:cSld>
@@ -1872,7 +1872,7 @@
     </p:spTree>
     <p:extLst>
       <p:ext uri="{BB962C8B-B14F-4D97-AF65-F5344CB8AC3E}">
-        <p14:creationId xmlns:p14="http://schemas.microsoft.com/office/powerpoint/2010/main" val="3345062670"/>
+        <p14:creationId xmlns:p14="http://schemas.microsoft.com/office/powerpoint/2010/main" val="1519050694"/>
       </p:ext>
     </p:extLst>
   </p:cSld>
@@ -1911,15 +1911,15 @@
         </p:nvSpPr>
         <p:spPr>
           <a:xfrm>
-            <a:off x="472381" y="660400"/>
-            <a:ext cx="2211884" cy="2311400"/>
+            <a:off x="1627089" y="2227580"/>
+            <a:ext cx="7618710" cy="7796530"/>
           </a:xfrm>
         </p:spPr>
         <p:txBody>
           <a:bodyPr anchor="b"/>
           <a:lstStyle>
             <a:lvl1pPr>
-              <a:defRPr sz="2400"/>
+              <a:defRPr sz="8267"/>
             </a:lvl1pPr>
           </a:lstStyle>
           <a:p>
@@ -1943,39 +1943,39 @@
         </p:nvSpPr>
         <p:spPr>
           <a:xfrm>
-            <a:off x="2915543" y="1426283"/>
-            <a:ext cx="3471863" cy="7039681"/>
+            <a:off x="10042426" y="4810961"/>
+            <a:ext cx="11958638" cy="23745384"/>
           </a:xfrm>
         </p:spPr>
         <p:txBody>
           <a:bodyPr/>
           <a:lstStyle>
             <a:lvl1pPr>
-              <a:defRPr sz="2400"/>
+              <a:defRPr sz="8267"/>
             </a:lvl1pPr>
             <a:lvl2pPr>
-              <a:defRPr sz="2100"/>
+              <a:defRPr sz="7233"/>
             </a:lvl2pPr>
             <a:lvl3pPr>
-              <a:defRPr sz="1800"/>
+              <a:defRPr sz="6200"/>
             </a:lvl3pPr>
             <a:lvl4pPr>
-              <a:defRPr sz="1500"/>
+              <a:defRPr sz="5167"/>
             </a:lvl4pPr>
             <a:lvl5pPr>
-              <a:defRPr sz="1500"/>
+              <a:defRPr sz="5167"/>
             </a:lvl5pPr>
             <a:lvl6pPr>
-              <a:defRPr sz="1500"/>
+              <a:defRPr sz="5167"/>
             </a:lvl6pPr>
             <a:lvl7pPr>
-              <a:defRPr sz="1500"/>
+              <a:defRPr sz="5167"/>
             </a:lvl7pPr>
             <a:lvl8pPr>
-              <a:defRPr sz="1500"/>
+              <a:defRPr sz="5167"/>
             </a:lvl8pPr>
             <a:lvl9pPr>
-              <a:defRPr sz="1500"/>
+              <a:defRPr sz="5167"/>
             </a:lvl9pPr>
           </a:lstStyle>
           <a:p>
@@ -2028,8 +2028,8 @@
         </p:nvSpPr>
         <p:spPr>
           <a:xfrm>
-            <a:off x="472381" y="2971800"/>
-            <a:ext cx="2211884" cy="5505627"/>
+            <a:off x="1627089" y="10024110"/>
+            <a:ext cx="7618710" cy="18570904"/>
           </a:xfrm>
         </p:spPr>
         <p:txBody>
@@ -2037,39 +2037,39 @@
           <a:lstStyle>
             <a:lvl1pPr marL="0" indent="0">
               <a:buNone/>
-              <a:defRPr sz="1200"/>
+              <a:defRPr sz="4133"/>
             </a:lvl1pPr>
-            <a:lvl2pPr marL="342900" indent="0">
-              <a:buNone/>
-              <a:defRPr sz="1050"/>
+            <a:lvl2pPr marL="1181085" indent="0">
+              <a:buNone/>
+              <a:defRPr sz="3617"/>
             </a:lvl2pPr>
-            <a:lvl3pPr marL="685800" indent="0">
-              <a:buNone/>
-              <a:defRPr sz="900"/>
+            <a:lvl3pPr marL="2362170" indent="0">
+              <a:buNone/>
+              <a:defRPr sz="3100"/>
             </a:lvl3pPr>
-            <a:lvl4pPr marL="1028700" indent="0">
-              <a:buNone/>
-              <a:defRPr sz="750"/>
+            <a:lvl4pPr marL="3543254" indent="0">
+              <a:buNone/>
+              <a:defRPr sz="2583"/>
             </a:lvl4pPr>
-            <a:lvl5pPr marL="1371600" indent="0">
-              <a:buNone/>
-              <a:defRPr sz="750"/>
+            <a:lvl5pPr marL="4724339" indent="0">
+              <a:buNone/>
+              <a:defRPr sz="2583"/>
             </a:lvl5pPr>
-            <a:lvl6pPr marL="1714500" indent="0">
-              <a:buNone/>
-              <a:defRPr sz="750"/>
+            <a:lvl6pPr marL="5905424" indent="0">
+              <a:buNone/>
+              <a:defRPr sz="2583"/>
             </a:lvl6pPr>
-            <a:lvl7pPr marL="2057400" indent="0">
-              <a:buNone/>
-              <a:defRPr sz="750"/>
+            <a:lvl7pPr marL="7086509" indent="0">
+              <a:buNone/>
+              <a:defRPr sz="2583"/>
             </a:lvl7pPr>
-            <a:lvl8pPr marL="2400300" indent="0">
-              <a:buNone/>
-              <a:defRPr sz="750"/>
+            <a:lvl8pPr marL="8267593" indent="0">
+              <a:buNone/>
+              <a:defRPr sz="2583"/>
             </a:lvl8pPr>
-            <a:lvl9pPr marL="2743200" indent="0">
-              <a:buNone/>
-              <a:defRPr sz="750"/>
+            <a:lvl9pPr marL="9448678" indent="0">
+              <a:buNone/>
+              <a:defRPr sz="2583"/>
             </a:lvl9pPr>
           </a:lstStyle>
           <a:p>
@@ -2149,7 +2149,7 @@
     </p:spTree>
     <p:extLst>
       <p:ext uri="{BB962C8B-B14F-4D97-AF65-F5344CB8AC3E}">
-        <p14:creationId xmlns:p14="http://schemas.microsoft.com/office/powerpoint/2010/main" val="3515605964"/>
+        <p14:creationId xmlns:p14="http://schemas.microsoft.com/office/powerpoint/2010/main" val="1155038691"/>
       </p:ext>
     </p:extLst>
   </p:cSld>
@@ -2188,15 +2188,15 @@
         </p:nvSpPr>
         <p:spPr>
           <a:xfrm>
-            <a:off x="472381" y="660400"/>
-            <a:ext cx="2211884" cy="2311400"/>
+            <a:off x="1627089" y="2227580"/>
+            <a:ext cx="7618710" cy="7796530"/>
           </a:xfrm>
         </p:spPr>
         <p:txBody>
           <a:bodyPr anchor="b"/>
           <a:lstStyle>
             <a:lvl1pPr>
-              <a:defRPr sz="2400"/>
+              <a:defRPr sz="8267"/>
             </a:lvl1pPr>
           </a:lstStyle>
           <a:p>
@@ -2220,8 +2220,8 @@
         </p:nvSpPr>
         <p:spPr>
           <a:xfrm>
-            <a:off x="2915543" y="1426283"/>
-            <a:ext cx="3471863" cy="7039681"/>
+            <a:off x="10042426" y="4810961"/>
+            <a:ext cx="11958638" cy="23745384"/>
           </a:xfrm>
         </p:spPr>
         <p:txBody>
@@ -2229,39 +2229,39 @@
           <a:lstStyle>
             <a:lvl1pPr marL="0" indent="0">
               <a:buNone/>
-              <a:defRPr sz="2400"/>
+              <a:defRPr sz="8267"/>
             </a:lvl1pPr>
-            <a:lvl2pPr marL="342900" indent="0">
-              <a:buNone/>
-              <a:defRPr sz="2100"/>
+            <a:lvl2pPr marL="1181085" indent="0">
+              <a:buNone/>
+              <a:defRPr sz="7233"/>
             </a:lvl2pPr>
-            <a:lvl3pPr marL="685800" indent="0">
-              <a:buNone/>
-              <a:defRPr sz="1800"/>
+            <a:lvl3pPr marL="2362170" indent="0">
+              <a:buNone/>
+              <a:defRPr sz="6200"/>
             </a:lvl3pPr>
-            <a:lvl4pPr marL="1028700" indent="0">
-              <a:buNone/>
-              <a:defRPr sz="1500"/>
+            <a:lvl4pPr marL="3543254" indent="0">
+              <a:buNone/>
+              <a:defRPr sz="5167"/>
             </a:lvl4pPr>
-            <a:lvl5pPr marL="1371600" indent="0">
-              <a:buNone/>
-              <a:defRPr sz="1500"/>
+            <a:lvl5pPr marL="4724339" indent="0">
+              <a:buNone/>
+              <a:defRPr sz="5167"/>
             </a:lvl5pPr>
-            <a:lvl6pPr marL="1714500" indent="0">
-              <a:buNone/>
-              <a:defRPr sz="1500"/>
+            <a:lvl6pPr marL="5905424" indent="0">
+              <a:buNone/>
+              <a:defRPr sz="5167"/>
             </a:lvl6pPr>
-            <a:lvl7pPr marL="2057400" indent="0">
-              <a:buNone/>
-              <a:defRPr sz="1500"/>
+            <a:lvl7pPr marL="7086509" indent="0">
+              <a:buNone/>
+              <a:defRPr sz="5167"/>
             </a:lvl7pPr>
-            <a:lvl8pPr marL="2400300" indent="0">
-              <a:buNone/>
-              <a:defRPr sz="1500"/>
+            <a:lvl8pPr marL="8267593" indent="0">
+              <a:buNone/>
+              <a:defRPr sz="5167"/>
             </a:lvl8pPr>
-            <a:lvl9pPr marL="2743200" indent="0">
-              <a:buNone/>
-              <a:defRPr sz="1500"/>
+            <a:lvl9pPr marL="9448678" indent="0">
+              <a:buNone/>
+              <a:defRPr sz="5167"/>
             </a:lvl9pPr>
           </a:lstStyle>
           <a:p>
@@ -2285,8 +2285,8 @@
         </p:nvSpPr>
         <p:spPr>
           <a:xfrm>
-            <a:off x="472381" y="2971800"/>
-            <a:ext cx="2211884" cy="5505627"/>
+            <a:off x="1627089" y="10024110"/>
+            <a:ext cx="7618710" cy="18570904"/>
           </a:xfrm>
         </p:spPr>
         <p:txBody>
@@ -2294,39 +2294,39 @@
           <a:lstStyle>
             <a:lvl1pPr marL="0" indent="0">
               <a:buNone/>
-              <a:defRPr sz="1200"/>
+              <a:defRPr sz="4133"/>
             </a:lvl1pPr>
-            <a:lvl2pPr marL="342900" indent="0">
-              <a:buNone/>
-              <a:defRPr sz="1050"/>
+            <a:lvl2pPr marL="1181085" indent="0">
+              <a:buNone/>
+              <a:defRPr sz="3617"/>
             </a:lvl2pPr>
-            <a:lvl3pPr marL="685800" indent="0">
-              <a:buNone/>
-              <a:defRPr sz="900"/>
+            <a:lvl3pPr marL="2362170" indent="0">
+              <a:buNone/>
+              <a:defRPr sz="3100"/>
             </a:lvl3pPr>
-            <a:lvl4pPr marL="1028700" indent="0">
-              <a:buNone/>
-              <a:defRPr sz="750"/>
+            <a:lvl4pPr marL="3543254" indent="0">
+              <a:buNone/>
+              <a:defRPr sz="2583"/>
             </a:lvl4pPr>
-            <a:lvl5pPr marL="1371600" indent="0">
-              <a:buNone/>
-              <a:defRPr sz="750"/>
+            <a:lvl5pPr marL="4724339" indent="0">
+              <a:buNone/>
+              <a:defRPr sz="2583"/>
             </a:lvl5pPr>
-            <a:lvl6pPr marL="1714500" indent="0">
-              <a:buNone/>
-              <a:defRPr sz="750"/>
+            <a:lvl6pPr marL="5905424" indent="0">
+              <a:buNone/>
+              <a:defRPr sz="2583"/>
             </a:lvl6pPr>
-            <a:lvl7pPr marL="2057400" indent="0">
-              <a:buNone/>
-              <a:defRPr sz="750"/>
+            <a:lvl7pPr marL="7086509" indent="0">
+              <a:buNone/>
+              <a:defRPr sz="2583"/>
             </a:lvl7pPr>
-            <a:lvl8pPr marL="2400300" indent="0">
-              <a:buNone/>
-              <a:defRPr sz="750"/>
+            <a:lvl8pPr marL="8267593" indent="0">
+              <a:buNone/>
+              <a:defRPr sz="2583"/>
             </a:lvl8pPr>
-            <a:lvl9pPr marL="2743200" indent="0">
-              <a:buNone/>
-              <a:defRPr sz="750"/>
+            <a:lvl9pPr marL="9448678" indent="0">
+              <a:buNone/>
+              <a:defRPr sz="2583"/>
             </a:lvl9pPr>
           </a:lstStyle>
           <a:p>
@@ -2406,7 +2406,7 @@
     </p:spTree>
     <p:extLst>
       <p:ext uri="{BB962C8B-B14F-4D97-AF65-F5344CB8AC3E}">
-        <p14:creationId xmlns:p14="http://schemas.microsoft.com/office/powerpoint/2010/main" val="1805146048"/>
+        <p14:creationId xmlns:p14="http://schemas.microsoft.com/office/powerpoint/2010/main" val="2149887464"/>
       </p:ext>
     </p:extLst>
   </p:cSld>
@@ -2450,8 +2450,8 @@
         </p:nvSpPr>
         <p:spPr>
           <a:xfrm>
-            <a:off x="471488" y="527405"/>
-            <a:ext cx="5915025" cy="1914702"/>
+            <a:off x="1624013" y="1778977"/>
+            <a:ext cx="20373975" cy="6458438"/>
           </a:xfrm>
           <a:prstGeom prst="rect">
             <a:avLst/>
@@ -2483,8 +2483,8 @@
         </p:nvSpPr>
         <p:spPr>
           <a:xfrm>
-            <a:off x="471488" y="2637014"/>
-            <a:ext cx="5915025" cy="6285266"/>
+            <a:off x="1624013" y="8894851"/>
+            <a:ext cx="20373975" cy="21200686"/>
           </a:xfrm>
           <a:prstGeom prst="rect">
             <a:avLst/>
@@ -2545,8 +2545,8 @@
         </p:nvSpPr>
         <p:spPr>
           <a:xfrm>
-            <a:off x="471488" y="9181397"/>
-            <a:ext cx="1543050" cy="527403"/>
+            <a:off x="1624013" y="30969557"/>
+            <a:ext cx="5314950" cy="1778970"/>
           </a:xfrm>
           <a:prstGeom prst="rect">
             <a:avLst/>
@@ -2556,7 +2556,7 @@
           <a:bodyPr vert="horz" lIns="91440" tIns="45720" rIns="91440" bIns="45720" rtlCol="0" anchor="ctr"/>
           <a:lstStyle>
             <a:lvl1pPr algn="l">
-              <a:defRPr sz="900">
+              <a:defRPr sz="3100">
                 <a:solidFill>
                   <a:schemeClr val="tx1">
                     <a:tint val="75000"/>
@@ -2586,8 +2586,8 @@
         </p:nvSpPr>
         <p:spPr>
           <a:xfrm>
-            <a:off x="2271713" y="9181397"/>
-            <a:ext cx="2314575" cy="527403"/>
+            <a:off x="7824788" y="30969557"/>
+            <a:ext cx="7972425" cy="1778970"/>
           </a:xfrm>
           <a:prstGeom prst="rect">
             <a:avLst/>
@@ -2597,7 +2597,7 @@
           <a:bodyPr vert="horz" lIns="91440" tIns="45720" rIns="91440" bIns="45720" rtlCol="0" anchor="ctr"/>
           <a:lstStyle>
             <a:lvl1pPr algn="ctr">
-              <a:defRPr sz="900">
+              <a:defRPr sz="3100">
                 <a:solidFill>
                   <a:schemeClr val="tx1">
                     <a:tint val="75000"/>
@@ -2623,8 +2623,8 @@
         </p:nvSpPr>
         <p:spPr>
           <a:xfrm>
-            <a:off x="4843463" y="9181397"/>
-            <a:ext cx="1543050" cy="527403"/>
+            <a:off x="16683038" y="30969557"/>
+            <a:ext cx="5314950" cy="1778970"/>
           </a:xfrm>
           <a:prstGeom prst="rect">
             <a:avLst/>
@@ -2634,7 +2634,7 @@
           <a:bodyPr vert="horz" lIns="91440" tIns="45720" rIns="91440" bIns="45720" rtlCol="0" anchor="ctr"/>
           <a:lstStyle>
             <a:lvl1pPr algn="r">
-              <a:defRPr sz="900">
+              <a:defRPr sz="3100">
                 <a:solidFill>
                   <a:schemeClr val="tx1">
                     <a:tint val="75000"/>
@@ -2655,27 +2655,27 @@
     </p:spTree>
     <p:extLst>
       <p:ext uri="{BB962C8B-B14F-4D97-AF65-F5344CB8AC3E}">
-        <p14:creationId xmlns:p14="http://schemas.microsoft.com/office/powerpoint/2010/main" val="425789588"/>
+        <p14:creationId xmlns:p14="http://schemas.microsoft.com/office/powerpoint/2010/main" val="2019469359"/>
       </p:ext>
     </p:extLst>
   </p:cSld>
   <p:clrMap bg1="lt1" tx1="dk1" bg2="lt2" tx2="dk2" accent1="accent1" accent2="accent2" accent3="accent3" accent4="accent4" accent5="accent5" accent6="accent6" hlink="hlink" folHlink="folHlink"/>
   <p:sldLayoutIdLst>
-    <p:sldLayoutId id="2147483661" r:id="rId1"/>
-    <p:sldLayoutId id="2147483662" r:id="rId2"/>
-    <p:sldLayoutId id="2147483663" r:id="rId3"/>
-    <p:sldLayoutId id="2147483664" r:id="rId4"/>
-    <p:sldLayoutId id="2147483665" r:id="rId5"/>
-    <p:sldLayoutId id="2147483666" r:id="rId6"/>
-    <p:sldLayoutId id="2147483667" r:id="rId7"/>
-    <p:sldLayoutId id="2147483668" r:id="rId8"/>
-    <p:sldLayoutId id="2147483669" r:id="rId9"/>
-    <p:sldLayoutId id="2147483670" r:id="rId10"/>
-    <p:sldLayoutId id="2147483671" r:id="rId11"/>
+    <p:sldLayoutId id="2147483685" r:id="rId1"/>
+    <p:sldLayoutId id="2147483686" r:id="rId2"/>
+    <p:sldLayoutId id="2147483687" r:id="rId3"/>
+    <p:sldLayoutId id="2147483688" r:id="rId4"/>
+    <p:sldLayoutId id="2147483689" r:id="rId5"/>
+    <p:sldLayoutId id="2147483690" r:id="rId6"/>
+    <p:sldLayoutId id="2147483691" r:id="rId7"/>
+    <p:sldLayoutId id="2147483692" r:id="rId8"/>
+    <p:sldLayoutId id="2147483693" r:id="rId9"/>
+    <p:sldLayoutId id="2147483694" r:id="rId10"/>
+    <p:sldLayoutId id="2147483695" r:id="rId11"/>
   </p:sldLayoutIdLst>
   <p:txStyles>
     <p:titleStyle>
-      <a:lvl1pPr algn="l" defTabSz="685800" rtl="0" eaLnBrk="1" latinLnBrk="1" hangingPunct="1">
+      <a:lvl1pPr algn="l" defTabSz="2362170" rtl="0" eaLnBrk="1" latinLnBrk="1" hangingPunct="1">
         <a:lnSpc>
           <a:spcPct val="90000"/>
         </a:lnSpc>
@@ -2683,7 +2683,7 @@
           <a:spcPct val="0"/>
         </a:spcBef>
         <a:buNone/>
-        <a:defRPr sz="3300" kern="1200">
+        <a:defRPr sz="11367" kern="1200">
           <a:solidFill>
             <a:schemeClr val="tx1"/>
           </a:solidFill>
@@ -2694,16 +2694,16 @@
       </a:lvl1pPr>
     </p:titleStyle>
     <p:bodyStyle>
-      <a:lvl1pPr marL="171450" indent="-171450" algn="l" defTabSz="685800" rtl="0" eaLnBrk="1" latinLnBrk="1" hangingPunct="1">
+      <a:lvl1pPr marL="590542" indent="-590542" algn="l" defTabSz="2362170" rtl="0" eaLnBrk="1" latinLnBrk="1" hangingPunct="1">
         <a:lnSpc>
           <a:spcPct val="90000"/>
         </a:lnSpc>
         <a:spcBef>
-          <a:spcPts val="750"/>
+          <a:spcPts val="2583"/>
         </a:spcBef>
         <a:buFont typeface="Arial" panose="020B0604020202020204" pitchFamily="34" charset="0"/>
         <a:buChar char="•"/>
-        <a:defRPr sz="2100" kern="1200">
+        <a:defRPr sz="7233" kern="1200">
           <a:solidFill>
             <a:schemeClr val="tx1"/>
           </a:solidFill>
@@ -2712,16 +2712,16 @@
           <a:cs typeface="+mn-cs"/>
         </a:defRPr>
       </a:lvl1pPr>
-      <a:lvl2pPr marL="514350" indent="-171450" algn="l" defTabSz="685800" rtl="0" eaLnBrk="1" latinLnBrk="1" hangingPunct="1">
+      <a:lvl2pPr marL="1771627" indent="-590542" algn="l" defTabSz="2362170" rtl="0" eaLnBrk="1" latinLnBrk="1" hangingPunct="1">
         <a:lnSpc>
           <a:spcPct val="90000"/>
         </a:lnSpc>
         <a:spcBef>
-          <a:spcPts val="375"/>
+          <a:spcPts val="1292"/>
         </a:spcBef>
         <a:buFont typeface="Arial" panose="020B0604020202020204" pitchFamily="34" charset="0"/>
         <a:buChar char="•"/>
-        <a:defRPr sz="1800" kern="1200">
+        <a:defRPr sz="6200" kern="1200">
           <a:solidFill>
             <a:schemeClr val="tx1"/>
           </a:solidFill>
@@ -2730,16 +2730,16 @@
           <a:cs typeface="+mn-cs"/>
         </a:defRPr>
       </a:lvl2pPr>
-      <a:lvl3pPr marL="857250" indent="-171450" algn="l" defTabSz="685800" rtl="0" eaLnBrk="1" latinLnBrk="1" hangingPunct="1">
+      <a:lvl3pPr marL="2952712" indent="-590542" algn="l" defTabSz="2362170" rtl="0" eaLnBrk="1" latinLnBrk="1" hangingPunct="1">
         <a:lnSpc>
           <a:spcPct val="90000"/>
         </a:lnSpc>
         <a:spcBef>
-          <a:spcPts val="375"/>
+          <a:spcPts val="1292"/>
         </a:spcBef>
         <a:buFont typeface="Arial" panose="020B0604020202020204" pitchFamily="34" charset="0"/>
         <a:buChar char="•"/>
-        <a:defRPr sz="1500" kern="1200">
+        <a:defRPr sz="5167" kern="1200">
           <a:solidFill>
             <a:schemeClr val="tx1"/>
           </a:solidFill>
@@ -2748,16 +2748,16 @@
           <a:cs typeface="+mn-cs"/>
         </a:defRPr>
       </a:lvl3pPr>
-      <a:lvl4pPr marL="1200150" indent="-171450" algn="l" defTabSz="685800" rtl="0" eaLnBrk="1" latinLnBrk="1" hangingPunct="1">
+      <a:lvl4pPr marL="4133797" indent="-590542" algn="l" defTabSz="2362170" rtl="0" eaLnBrk="1" latinLnBrk="1" hangingPunct="1">
         <a:lnSpc>
           <a:spcPct val="90000"/>
         </a:lnSpc>
         <a:spcBef>
-          <a:spcPts val="375"/>
+          <a:spcPts val="1292"/>
         </a:spcBef>
         <a:buFont typeface="Arial" panose="020B0604020202020204" pitchFamily="34" charset="0"/>
         <a:buChar char="•"/>
-        <a:defRPr sz="1350" kern="1200">
+        <a:defRPr sz="4650" kern="1200">
           <a:solidFill>
             <a:schemeClr val="tx1"/>
           </a:solidFill>
@@ -2766,16 +2766,16 @@
           <a:cs typeface="+mn-cs"/>
         </a:defRPr>
       </a:lvl4pPr>
-      <a:lvl5pPr marL="1543050" indent="-171450" algn="l" defTabSz="685800" rtl="0" eaLnBrk="1" latinLnBrk="1" hangingPunct="1">
+      <a:lvl5pPr marL="5314881" indent="-590542" algn="l" defTabSz="2362170" rtl="0" eaLnBrk="1" latinLnBrk="1" hangingPunct="1">
         <a:lnSpc>
           <a:spcPct val="90000"/>
         </a:lnSpc>
         <a:spcBef>
-          <a:spcPts val="375"/>
+          <a:spcPts val="1292"/>
         </a:spcBef>
         <a:buFont typeface="Arial" panose="020B0604020202020204" pitchFamily="34" charset="0"/>
         <a:buChar char="•"/>
-        <a:defRPr sz="1350" kern="1200">
+        <a:defRPr sz="4650" kern="1200">
           <a:solidFill>
             <a:schemeClr val="tx1"/>
           </a:solidFill>
@@ -2784,16 +2784,16 @@
           <a:cs typeface="+mn-cs"/>
         </a:defRPr>
       </a:lvl5pPr>
-      <a:lvl6pPr marL="1885950" indent="-171450" algn="l" defTabSz="685800" rtl="0" eaLnBrk="1" latinLnBrk="1" hangingPunct="1">
+      <a:lvl6pPr marL="6495966" indent="-590542" algn="l" defTabSz="2362170" rtl="0" eaLnBrk="1" latinLnBrk="1" hangingPunct="1">
         <a:lnSpc>
           <a:spcPct val="90000"/>
         </a:lnSpc>
         <a:spcBef>
-          <a:spcPts val="375"/>
+          <a:spcPts val="1292"/>
         </a:spcBef>
         <a:buFont typeface="Arial" panose="020B0604020202020204" pitchFamily="34" charset="0"/>
         <a:buChar char="•"/>
-        <a:defRPr sz="1350" kern="1200">
+        <a:defRPr sz="4650" kern="1200">
           <a:solidFill>
             <a:schemeClr val="tx1"/>
           </a:solidFill>
@@ -2802,16 +2802,16 @@
           <a:cs typeface="+mn-cs"/>
         </a:defRPr>
       </a:lvl6pPr>
-      <a:lvl7pPr marL="2228850" indent="-171450" algn="l" defTabSz="685800" rtl="0" eaLnBrk="1" latinLnBrk="1" hangingPunct="1">
+      <a:lvl7pPr marL="7677051" indent="-590542" algn="l" defTabSz="2362170" rtl="0" eaLnBrk="1" latinLnBrk="1" hangingPunct="1">
         <a:lnSpc>
           <a:spcPct val="90000"/>
         </a:lnSpc>
         <a:spcBef>
-          <a:spcPts val="375"/>
+          <a:spcPts val="1292"/>
         </a:spcBef>
         <a:buFont typeface="Arial" panose="020B0604020202020204" pitchFamily="34" charset="0"/>
         <a:buChar char="•"/>
-        <a:defRPr sz="1350" kern="1200">
+        <a:defRPr sz="4650" kern="1200">
           <a:solidFill>
             <a:schemeClr val="tx1"/>
           </a:solidFill>
@@ -2820,16 +2820,16 @@
           <a:cs typeface="+mn-cs"/>
         </a:defRPr>
       </a:lvl7pPr>
-      <a:lvl8pPr marL="2571750" indent="-171450" algn="l" defTabSz="685800" rtl="0" eaLnBrk="1" latinLnBrk="1" hangingPunct="1">
+      <a:lvl8pPr marL="8858136" indent="-590542" algn="l" defTabSz="2362170" rtl="0" eaLnBrk="1" latinLnBrk="1" hangingPunct="1">
         <a:lnSpc>
           <a:spcPct val="90000"/>
         </a:lnSpc>
         <a:spcBef>
-          <a:spcPts val="375"/>
+          <a:spcPts val="1292"/>
         </a:spcBef>
         <a:buFont typeface="Arial" panose="020B0604020202020204" pitchFamily="34" charset="0"/>
         <a:buChar char="•"/>
-        <a:defRPr sz="1350" kern="1200">
+        <a:defRPr sz="4650" kern="1200">
           <a:solidFill>
             <a:schemeClr val="tx1"/>
           </a:solidFill>
@@ -2838,16 +2838,16 @@
           <a:cs typeface="+mn-cs"/>
         </a:defRPr>
       </a:lvl8pPr>
-      <a:lvl9pPr marL="2914650" indent="-171450" algn="l" defTabSz="685800" rtl="0" eaLnBrk="1" latinLnBrk="1" hangingPunct="1">
+      <a:lvl9pPr marL="10039220" indent="-590542" algn="l" defTabSz="2362170" rtl="0" eaLnBrk="1" latinLnBrk="1" hangingPunct="1">
         <a:lnSpc>
           <a:spcPct val="90000"/>
         </a:lnSpc>
         <a:spcBef>
-          <a:spcPts val="375"/>
+          <a:spcPts val="1292"/>
         </a:spcBef>
         <a:buFont typeface="Arial" panose="020B0604020202020204" pitchFamily="34" charset="0"/>
         <a:buChar char="•"/>
-        <a:defRPr sz="1350" kern="1200">
+        <a:defRPr sz="4650" kern="1200">
           <a:solidFill>
             <a:schemeClr val="tx1"/>
           </a:solidFill>
@@ -2861,8 +2861,8 @@
       <a:defPPr>
         <a:defRPr lang="en-US"/>
       </a:defPPr>
-      <a:lvl1pPr marL="0" algn="l" defTabSz="685800" rtl="0" eaLnBrk="1" latinLnBrk="1" hangingPunct="1">
-        <a:defRPr sz="1350" kern="1200">
+      <a:lvl1pPr marL="0" algn="l" defTabSz="2362170" rtl="0" eaLnBrk="1" latinLnBrk="1" hangingPunct="1">
+        <a:defRPr sz="4650" kern="1200">
           <a:solidFill>
             <a:schemeClr val="tx1"/>
           </a:solidFill>
@@ -2871,8 +2871,8 @@
           <a:cs typeface="+mn-cs"/>
         </a:defRPr>
       </a:lvl1pPr>
-      <a:lvl2pPr marL="342900" algn="l" defTabSz="685800" rtl="0" eaLnBrk="1" latinLnBrk="1" hangingPunct="1">
-        <a:defRPr sz="1350" kern="1200">
+      <a:lvl2pPr marL="1181085" algn="l" defTabSz="2362170" rtl="0" eaLnBrk="1" latinLnBrk="1" hangingPunct="1">
+        <a:defRPr sz="4650" kern="1200">
           <a:solidFill>
             <a:schemeClr val="tx1"/>
           </a:solidFill>
@@ -2881,8 +2881,8 @@
           <a:cs typeface="+mn-cs"/>
         </a:defRPr>
       </a:lvl2pPr>
-      <a:lvl3pPr marL="685800" algn="l" defTabSz="685800" rtl="0" eaLnBrk="1" latinLnBrk="1" hangingPunct="1">
-        <a:defRPr sz="1350" kern="1200">
+      <a:lvl3pPr marL="2362170" algn="l" defTabSz="2362170" rtl="0" eaLnBrk="1" latinLnBrk="1" hangingPunct="1">
+        <a:defRPr sz="4650" kern="1200">
           <a:solidFill>
             <a:schemeClr val="tx1"/>
           </a:solidFill>
@@ -2891,8 +2891,8 @@
           <a:cs typeface="+mn-cs"/>
         </a:defRPr>
       </a:lvl3pPr>
-      <a:lvl4pPr marL="1028700" algn="l" defTabSz="685800" rtl="0" eaLnBrk="1" latinLnBrk="1" hangingPunct="1">
-        <a:defRPr sz="1350" kern="1200">
+      <a:lvl4pPr marL="3543254" algn="l" defTabSz="2362170" rtl="0" eaLnBrk="1" latinLnBrk="1" hangingPunct="1">
+        <a:defRPr sz="4650" kern="1200">
           <a:solidFill>
             <a:schemeClr val="tx1"/>
           </a:solidFill>
@@ -2901,8 +2901,8 @@
           <a:cs typeface="+mn-cs"/>
         </a:defRPr>
       </a:lvl4pPr>
-      <a:lvl5pPr marL="1371600" algn="l" defTabSz="685800" rtl="0" eaLnBrk="1" latinLnBrk="1" hangingPunct="1">
-        <a:defRPr sz="1350" kern="1200">
+      <a:lvl5pPr marL="4724339" algn="l" defTabSz="2362170" rtl="0" eaLnBrk="1" latinLnBrk="1" hangingPunct="1">
+        <a:defRPr sz="4650" kern="1200">
           <a:solidFill>
             <a:schemeClr val="tx1"/>
           </a:solidFill>
@@ -2911,8 +2911,8 @@
           <a:cs typeface="+mn-cs"/>
         </a:defRPr>
       </a:lvl5pPr>
-      <a:lvl6pPr marL="1714500" algn="l" defTabSz="685800" rtl="0" eaLnBrk="1" latinLnBrk="1" hangingPunct="1">
-        <a:defRPr sz="1350" kern="1200">
+      <a:lvl6pPr marL="5905424" algn="l" defTabSz="2362170" rtl="0" eaLnBrk="1" latinLnBrk="1" hangingPunct="1">
+        <a:defRPr sz="4650" kern="1200">
           <a:solidFill>
             <a:schemeClr val="tx1"/>
           </a:solidFill>
@@ -2921,8 +2921,8 @@
           <a:cs typeface="+mn-cs"/>
         </a:defRPr>
       </a:lvl6pPr>
-      <a:lvl7pPr marL="2057400" algn="l" defTabSz="685800" rtl="0" eaLnBrk="1" latinLnBrk="1" hangingPunct="1">
-        <a:defRPr sz="1350" kern="1200">
+      <a:lvl7pPr marL="7086509" algn="l" defTabSz="2362170" rtl="0" eaLnBrk="1" latinLnBrk="1" hangingPunct="1">
+        <a:defRPr sz="4650" kern="1200">
           <a:solidFill>
             <a:schemeClr val="tx1"/>
           </a:solidFill>
@@ -2931,8 +2931,8 @@
           <a:cs typeface="+mn-cs"/>
         </a:defRPr>
       </a:lvl7pPr>
-      <a:lvl8pPr marL="2400300" algn="l" defTabSz="685800" rtl="0" eaLnBrk="1" latinLnBrk="1" hangingPunct="1">
-        <a:defRPr sz="1350" kern="1200">
+      <a:lvl8pPr marL="8267593" algn="l" defTabSz="2362170" rtl="0" eaLnBrk="1" latinLnBrk="1" hangingPunct="1">
+        <a:defRPr sz="4650" kern="1200">
           <a:solidFill>
             <a:schemeClr val="tx1"/>
           </a:solidFill>
@@ -2941,8 +2941,8 @@
           <a:cs typeface="+mn-cs"/>
         </a:defRPr>
       </a:lvl8pPr>
-      <a:lvl9pPr marL="2743200" algn="l" defTabSz="685800" rtl="0" eaLnBrk="1" latinLnBrk="1" hangingPunct="1">
-        <a:defRPr sz="1350" kern="1200">
+      <a:lvl9pPr marL="9448678" algn="l" defTabSz="2362170" rtl="0" eaLnBrk="1" latinLnBrk="1" hangingPunct="1">
+        <a:defRPr sz="4650" kern="1200">
           <a:solidFill>
             <a:schemeClr val="tx1"/>
           </a:solidFill>
@@ -2987,8 +2987,8 @@
         </p:nvSpPr>
         <p:spPr>
           <a:xfrm>
-            <a:off x="-9526" y="0"/>
-            <a:ext cx="6867525" cy="9911577"/>
+            <a:off x="1" y="0"/>
+            <a:ext cx="23621998" cy="33413700"/>
           </a:xfrm>
           <a:prstGeom prst="rect">
             <a:avLst/>
@@ -3021,7 +3021,7 @@
           <a:lstStyle/>
           <a:p>
             <a:pPr algn="ctr"/>
-            <a:endParaRPr lang="ko-KR" altLang="en-US"/>
+            <a:endParaRPr lang="ko-KR" altLang="en-US" sz="7647"/>
           </a:p>
         </p:txBody>
       </p:sp>
@@ -3040,14 +3040,20 @@
           <p:nvPr/>
         </p:nvPicPr>
         <p:blipFill rotWithShape="1">
-          <a:blip r:embed="rId2"/>
+          <a:blip r:embed="rId2">
+            <a:extLst>
+              <a:ext uri="{28A0092B-C50C-407E-A947-70E740481C1C}">
+                <a14:useLocalDpi xmlns:a14="http://schemas.microsoft.com/office/drawing/2010/main"/>
+              </a:ext>
+            </a:extLst>
+          </a:blip>
           <a:srcRect r="13128"/>
           <a:stretch/>
         </p:blipFill>
         <p:spPr>
           <a:xfrm>
-            <a:off x="-9526" y="2918820"/>
-            <a:ext cx="6867525" cy="3040656"/>
+            <a:off x="878253" y="10239203"/>
+            <a:ext cx="21835207" cy="9667726"/>
           </a:xfrm>
           <a:prstGeom prst="rect">
             <a:avLst/>
@@ -3068,8 +3074,8 @@
         </p:nvGrpSpPr>
         <p:grpSpPr>
           <a:xfrm>
-            <a:off x="-9526" y="264145"/>
-            <a:ext cx="2999942" cy="407361"/>
+            <a:off x="878250" y="1798696"/>
+            <a:ext cx="9538277" cy="1295200"/>
             <a:chOff x="-9526" y="264145"/>
             <a:chExt cx="2999942" cy="407361"/>
           </a:xfrm>
@@ -3122,7 +3128,7 @@
             <a:lstStyle/>
             <a:p>
               <a:r>
-                <a:rPr lang="ko-KR" altLang="en-US" b="1" dirty="0">
+                <a:rPr lang="ko-KR" altLang="en-US" sz="7647" b="1" dirty="0">
                   <a:solidFill>
                     <a:srgbClr val="060202"/>
                   </a:solidFill>
@@ -3130,14 +3136,14 @@
                 <a:t>            </a:t>
               </a:r>
               <a:r>
-                <a:rPr lang="en-US" altLang="ko-KR" b="1" dirty="0">
+                <a:rPr lang="en-US" altLang="ko-KR" sz="7647" b="1" dirty="0">
                   <a:solidFill>
                     <a:srgbClr val="060202"/>
                   </a:solidFill>
                 </a:rPr>
                 <a:t>Text1</a:t>
               </a:r>
-              <a:endParaRPr lang="ko-KR" altLang="en-US" b="1" dirty="0">
+              <a:endParaRPr lang="ko-KR" altLang="en-US" sz="7647" b="1" dirty="0">
                 <a:solidFill>
                   <a:srgbClr val="060202"/>
                 </a:solidFill>
@@ -3193,7 +3199,7 @@
             <a:lstStyle/>
             <a:p>
               <a:pPr algn="ctr"/>
-              <a:endParaRPr lang="ko-KR" altLang="en-US"/>
+              <a:endParaRPr lang="ko-KR" altLang="en-US" sz="7647"/>
             </a:p>
           </p:txBody>
         </p:sp>
@@ -3212,8 +3218,8 @@
         </p:nvSpPr>
         <p:spPr>
           <a:xfrm>
-            <a:off x="241300" y="3136900"/>
-            <a:ext cx="177800" cy="2616200"/>
+            <a:off x="1675749" y="10932585"/>
+            <a:ext cx="565312" cy="8318173"/>
           </a:xfrm>
           <a:prstGeom prst="rect">
             <a:avLst/>
@@ -3246,7 +3252,7 @@
           <a:lstStyle/>
           <a:p>
             <a:pPr algn="ctr"/>
-            <a:endParaRPr lang="ko-KR" altLang="en-US"/>
+            <a:endParaRPr lang="ko-KR" altLang="en-US" sz="7647"/>
           </a:p>
         </p:txBody>
       </p:sp>
@@ -3264,8 +3270,8 @@
         </p:nvSpPr>
         <p:spPr>
           <a:xfrm>
-            <a:off x="372480" y="8406802"/>
-            <a:ext cx="1724715" cy="400110"/>
+            <a:off x="1305478" y="29075070"/>
+            <a:ext cx="6708388" cy="1071062"/>
           </a:xfrm>
           <a:prstGeom prst="rect">
             <a:avLst/>
@@ -3280,7 +3286,7 @@
           <a:p>
             <a:pPr algn="ctr"/>
             <a:r>
-              <a:rPr lang="ko-KR" altLang="en-US" sz="2000" b="1" dirty="0">
+              <a:rPr lang="ko-KR" altLang="en-US" sz="6360" b="1" dirty="0">
                 <a:solidFill>
                   <a:srgbClr val="C29A06"/>
                 </a:solidFill>
@@ -3304,8 +3310,8 @@
         </p:nvGrpSpPr>
         <p:grpSpPr>
           <a:xfrm>
-            <a:off x="-12700" y="8839200"/>
-            <a:ext cx="2540000" cy="171004"/>
+            <a:off x="1305478" y="30449873"/>
+            <a:ext cx="8075899" cy="543706"/>
             <a:chOff x="-9526" y="264145"/>
             <a:chExt cx="2999942" cy="407361"/>
           </a:xfrm>
@@ -3357,7 +3363,7 @@
             <a:bodyPr rtlCol="0" anchor="ctr"/>
             <a:lstStyle/>
             <a:p>
-              <a:endParaRPr lang="ko-KR" altLang="en-US" b="1" dirty="0">
+              <a:endParaRPr lang="ko-KR" altLang="en-US" sz="7647" b="1" dirty="0">
                 <a:solidFill>
                   <a:srgbClr val="060202"/>
                 </a:solidFill>
@@ -3413,7 +3419,7 @@
             <a:lstStyle/>
             <a:p>
               <a:pPr algn="ctr"/>
-              <a:endParaRPr lang="ko-KR" altLang="en-US"/>
+              <a:endParaRPr lang="ko-KR" altLang="en-US" sz="7647"/>
             </a:p>
           </p:txBody>
         </p:sp>
@@ -3432,8 +3438,8 @@
         </p:nvSpPr>
         <p:spPr>
           <a:xfrm>
-            <a:off x="4152900" y="7599995"/>
-            <a:ext cx="2451100" cy="707886"/>
+            <a:off x="14112633" y="25122939"/>
+            <a:ext cx="7793240" cy="2049792"/>
           </a:xfrm>
           <a:prstGeom prst="rect">
             <a:avLst/>
@@ -3447,7 +3453,7 @@
           <a:lstStyle/>
           <a:p>
             <a:r>
-              <a:rPr lang="en-US" altLang="ko-KR" sz="2000" b="1" dirty="0">
+              <a:rPr lang="en-US" altLang="ko-KR" sz="6360" b="1" dirty="0">
                 <a:solidFill>
                   <a:schemeClr val="bg1">
                     <a:lumMod val="50000"/>
@@ -3459,7 +3465,7 @@
           </a:p>
           <a:p>
             <a:r>
-              <a:rPr lang="en-US" altLang="ko-KR" sz="2000" b="1" dirty="0">
+              <a:rPr lang="en-US" altLang="ko-KR" sz="6360" b="1" dirty="0">
                 <a:solidFill>
                   <a:schemeClr val="bg1">
                     <a:lumMod val="50000"/>
@@ -3468,7 +3474,7 @@
               </a:rPr>
               <a:t>Text2</a:t>
             </a:r>
-            <a:endParaRPr lang="ko-KR" altLang="en-US" sz="2000" b="1" dirty="0">
+            <a:endParaRPr lang="ko-KR" altLang="en-US" sz="6360" b="1" dirty="0">
               <a:solidFill>
                 <a:schemeClr val="bg1">
                   <a:lumMod val="50000"/>
@@ -3494,8 +3500,8 @@
         </p:nvCxnSpPr>
         <p:spPr>
           <a:xfrm flipV="1">
-            <a:off x="2117093" y="129541"/>
-            <a:ext cx="914463" cy="704986"/>
+            <a:off x="7639810" y="1370726"/>
+            <a:ext cx="2907524" cy="2241494"/>
           </a:xfrm>
           <a:prstGeom prst="line">
             <a:avLst/>
@@ -3537,8 +3543,8 @@
         </p:nvCxnSpPr>
         <p:spPr>
           <a:xfrm flipV="1">
-            <a:off x="1967969" y="129541"/>
-            <a:ext cx="914463" cy="704986"/>
+            <a:off x="7165672" y="1370726"/>
+            <a:ext cx="2907524" cy="2241494"/>
           </a:xfrm>
           <a:prstGeom prst="line">
             <a:avLst/>
@@ -3578,8 +3584,8 @@
         </p:nvSpPr>
         <p:spPr>
           <a:xfrm>
-            <a:off x="661736" y="3202161"/>
-            <a:ext cx="5942263" cy="2616200"/>
+            <a:off x="3012521" y="11140081"/>
+            <a:ext cx="18893349" cy="8318173"/>
           </a:xfrm>
           <a:prstGeom prst="rect">
             <a:avLst/>
@@ -3611,7 +3617,7 @@
           <a:p>
             <a:pPr lvl="0"/>
             <a:r>
-              <a:rPr lang="en-US" altLang="ko-KR" sz="11500" b="1" dirty="0">
+              <a:rPr lang="en-US" altLang="ko-KR" sz="36563" b="1" dirty="0">
                 <a:solidFill>
                   <a:srgbClr val="F8C711"/>
                 </a:solidFill>
@@ -3619,7 +3625,7 @@
               </a:rPr>
               <a:t>Subject</a:t>
             </a:r>
-            <a:endParaRPr lang="ko-KR" altLang="en-US" sz="4400" dirty="0">
+            <a:endParaRPr lang="ko-KR" altLang="en-US" sz="13989" dirty="0">
               <a:solidFill>
                 <a:srgbClr val="F8C711"/>
               </a:solidFill>
@@ -3672,7 +3678,7 @@
         <p:spPr>
           <a:xfrm>
             <a:off x="0" y="0"/>
-            <a:ext cx="6858000" cy="7026442"/>
+            <a:ext cx="23622000" cy="33413700"/>
           </a:xfrm>
           <a:prstGeom prst="rect">
             <a:avLst/>
@@ -3705,7 +3711,7 @@
           <a:lstStyle/>
           <a:p>
             <a:pPr algn="ctr"/>
-            <a:endParaRPr lang="ko-KR" altLang="en-US"/>
+            <a:endParaRPr lang="ko-KR" altLang="en-US" sz="7647"/>
           </a:p>
         </p:txBody>
       </p:sp>
@@ -3723,8 +3729,8 @@
         </p:nvSpPr>
         <p:spPr>
           <a:xfrm>
-            <a:off x="0" y="7026442"/>
-            <a:ext cx="6867525" cy="2879558"/>
+            <a:off x="0" y="24198945"/>
+            <a:ext cx="23652284" cy="9214755"/>
           </a:xfrm>
           <a:prstGeom prst="rect">
             <a:avLst/>
@@ -3757,7 +3763,7 @@
           <a:lstStyle/>
           <a:p>
             <a:pPr algn="ctr"/>
-            <a:endParaRPr lang="ko-KR" altLang="en-US"/>
+            <a:endParaRPr lang="ko-KR" altLang="en-US" sz="7647"/>
           </a:p>
         </p:txBody>
       </p:sp>
@@ -3775,8 +3781,8 @@
         </p:nvSpPr>
         <p:spPr>
           <a:xfrm>
-            <a:off x="0" y="7265891"/>
-            <a:ext cx="6867525" cy="400110"/>
+            <a:off x="-30284" y="24801823"/>
+            <a:ext cx="23652283" cy="1071062"/>
           </a:xfrm>
           <a:prstGeom prst="rect">
             <a:avLst/>
@@ -3791,7 +3797,7 @@
           <a:p>
             <a:pPr algn="ctr"/>
             <a:r>
-              <a:rPr lang="en-US" altLang="ko-KR" sz="2000" b="1" dirty="0">
+              <a:rPr lang="en-US" altLang="ko-KR" sz="6360" b="1" dirty="0">
                 <a:solidFill>
                   <a:srgbClr val="F5F5EB"/>
                 </a:solidFill>
@@ -3799,7 +3805,7 @@
               <a:t>------------------------</a:t>
             </a:r>
             <a:r>
-              <a:rPr lang="ko-KR" altLang="en-US" sz="2000" b="1" dirty="0">
+              <a:rPr lang="ko-KR" altLang="en-US" sz="6360" b="1" dirty="0">
                 <a:solidFill>
                   <a:srgbClr val="F5F5EB"/>
                 </a:solidFill>
@@ -3807,14 +3813,14 @@
               <a:t>꾸미는 말</a:t>
             </a:r>
             <a:r>
-              <a:rPr lang="en-US" altLang="ko-KR" sz="2000" b="1" dirty="0">
+              <a:rPr lang="en-US" altLang="ko-KR" sz="6360" b="1" dirty="0">
                 <a:solidFill>
                   <a:srgbClr val="F5F5EB"/>
                 </a:solidFill>
               </a:rPr>
               <a:t>-------------------------</a:t>
             </a:r>
-            <a:endParaRPr lang="ko-KR" altLang="en-US" sz="2000" b="1" dirty="0">
+            <a:endParaRPr lang="ko-KR" altLang="en-US" sz="6360" b="1" dirty="0">
               <a:solidFill>
                 <a:srgbClr val="F5F5EB"/>
               </a:solidFill>
@@ -3836,8 +3842,8 @@
         </p:nvSpPr>
         <p:spPr>
           <a:xfrm>
-            <a:off x="2990417" y="9450521"/>
-            <a:ext cx="877163" cy="369332"/>
+            <a:off x="-30284" y="31841557"/>
+            <a:ext cx="23682568" cy="1269130"/>
           </a:xfrm>
           <a:prstGeom prst="rect">
             <a:avLst/>
@@ -3845,14 +3851,14 @@
           <a:noFill/>
         </p:spPr>
         <p:txBody>
-          <a:bodyPr wrap="none" rtlCol="0">
+          <a:bodyPr wrap="square" rtlCol="0">
             <a:spAutoFit/>
           </a:bodyPr>
           <a:lstStyle/>
           <a:p>
             <a:pPr algn="ctr"/>
             <a:r>
-              <a:rPr lang="ko-KR" altLang="en-US" b="1" dirty="0"/>
+              <a:rPr lang="ko-KR" altLang="en-US" sz="7647" b="1" dirty="0"/>
               <a:t>박영기</a:t>
             </a:r>
           </a:p>
@@ -3872,8 +3878,8 @@
         </p:nvSpPr>
         <p:spPr>
           <a:xfrm>
-            <a:off x="9525" y="6026918"/>
-            <a:ext cx="6858000" cy="769441"/>
+            <a:off x="-30283" y="20254824"/>
+            <a:ext cx="23682568" cy="2245102"/>
           </a:xfrm>
           <a:prstGeom prst="rect">
             <a:avLst/>
@@ -3888,7 +3894,7 @@
           <a:p>
             <a:pPr algn="ctr"/>
             <a:r>
-              <a:rPr lang="en-US" altLang="ko-KR" sz="4400" b="1" dirty="0">
+              <a:rPr lang="en-US" altLang="ko-KR" sz="13989" b="1" dirty="0">
                 <a:solidFill>
                   <a:srgbClr val="7BA5C4"/>
                 </a:solidFill>
@@ -3896,14 +3902,14 @@
               <a:t>#Tag1 #Tag2 #</a:t>
             </a:r>
             <a:r>
-              <a:rPr lang="en-US" altLang="ko-KR" sz="3600" b="1" dirty="0">
+              <a:rPr lang="en-US" altLang="ko-KR" sz="11445" b="1" dirty="0">
                 <a:solidFill>
                   <a:srgbClr val="7BA5C4"/>
                 </a:solidFill>
               </a:rPr>
               <a:t>Tag3</a:t>
             </a:r>
-            <a:endParaRPr lang="ko-KR" altLang="en-US" sz="4400" b="1" dirty="0">
+            <a:endParaRPr lang="ko-KR" altLang="en-US" sz="13989" b="1" dirty="0">
               <a:solidFill>
                 <a:srgbClr val="7BA5C4"/>
               </a:solidFill>
@@ -3925,8 +3931,8 @@
         </p:nvSpPr>
         <p:spPr>
           <a:xfrm>
-            <a:off x="820757" y="7666001"/>
-            <a:ext cx="5216493" cy="369332"/>
+            <a:off x="0" y="25872885"/>
+            <a:ext cx="23621999" cy="1269130"/>
           </a:xfrm>
           <a:prstGeom prst="rect">
             <a:avLst/>
@@ -3934,25 +3940,25 @@
           <a:noFill/>
         </p:spPr>
         <p:txBody>
-          <a:bodyPr wrap="none" rtlCol="0">
+          <a:bodyPr wrap="square" rtlCol="0">
             <a:spAutoFit/>
           </a:bodyPr>
           <a:lstStyle/>
           <a:p>
             <a:pPr algn="ctr"/>
             <a:r>
-              <a:rPr lang="en-US" altLang="ko-KR" b="1" dirty="0"/>
+              <a:rPr lang="en-US" altLang="ko-KR" sz="7647" b="1" dirty="0"/>
               <a:t>---------------------------- </a:t>
             </a:r>
             <a:r>
-              <a:rPr lang="ko-KR" altLang="en-US" b="1" dirty="0"/>
+              <a:rPr lang="ko-KR" altLang="en-US" sz="7647" b="1" dirty="0"/>
               <a:t>꾸미는 말 </a:t>
             </a:r>
             <a:r>
-              <a:rPr lang="en-US" altLang="ko-KR" b="1" dirty="0"/>
+              <a:rPr lang="en-US" altLang="ko-KR" sz="7647" b="1" dirty="0"/>
               <a:t>----------------------------</a:t>
             </a:r>
-            <a:endParaRPr lang="ko-KR" altLang="en-US" b="1" dirty="0"/>
+            <a:endParaRPr lang="ko-KR" altLang="en-US" sz="7647" b="1" dirty="0"/>
           </a:p>
         </p:txBody>
       </p:sp>
@@ -3972,8 +3978,8 @@
         </p:nvCxnSpPr>
         <p:spPr>
           <a:xfrm>
-            <a:off x="342900" y="3569695"/>
-            <a:ext cx="0" cy="1964831"/>
+            <a:off x="1998784" y="12308651"/>
+            <a:ext cx="0" cy="6247154"/>
           </a:xfrm>
           <a:prstGeom prst="line">
             <a:avLst/>
@@ -4013,8 +4019,8 @@
         </p:nvSpPr>
         <p:spPr>
           <a:xfrm>
-            <a:off x="-9526" y="271395"/>
-            <a:ext cx="1812923" cy="400111"/>
+            <a:off x="1" y="1821749"/>
+            <a:ext cx="6642417" cy="1272149"/>
           </a:xfrm>
           <a:prstGeom prst="rect">
             <a:avLst/>
@@ -4048,14 +4054,14 @@
           <a:p>
             <a:pPr algn="ctr"/>
             <a:r>
-              <a:rPr lang="en-US" altLang="ko-KR" b="1" dirty="0">
+              <a:rPr lang="en-US" altLang="ko-KR" sz="7647" b="1" dirty="0">
                 <a:solidFill>
                   <a:srgbClr val="01559D"/>
                 </a:solidFill>
               </a:rPr>
               <a:t>Text</a:t>
             </a:r>
-            <a:endParaRPr lang="ko-KR" altLang="en-US" b="1" dirty="0">
+            <a:endParaRPr lang="ko-KR" altLang="en-US" sz="7647" b="1" dirty="0">
               <a:solidFill>
                 <a:srgbClr val="01559D"/>
               </a:solidFill>
@@ -4077,8 +4083,8 @@
         </p:nvSpPr>
         <p:spPr>
           <a:xfrm>
-            <a:off x="661736" y="3202161"/>
-            <a:ext cx="5942263" cy="2616200"/>
+            <a:off x="3012521" y="11140081"/>
+            <a:ext cx="18893349" cy="8318173"/>
           </a:xfrm>
           <a:prstGeom prst="rect">
             <a:avLst/>
@@ -4110,7 +4116,7 @@
           <a:p>
             <a:pPr lvl="0"/>
             <a:r>
-              <a:rPr lang="en-US" altLang="ko-KR" sz="11500" b="1" dirty="0">
+              <a:rPr lang="en-US" altLang="ko-KR" sz="36563" b="1" dirty="0">
                 <a:solidFill>
                   <a:srgbClr val="01559D"/>
                 </a:solidFill>
@@ -4118,7 +4124,7 @@
               </a:rPr>
               <a:t>Subject</a:t>
             </a:r>
-            <a:endParaRPr lang="ko-KR" altLang="en-US" sz="4400" dirty="0">
+            <a:endParaRPr lang="ko-KR" altLang="en-US" sz="13989" dirty="0">
               <a:solidFill>
                 <a:srgbClr val="01559D"/>
               </a:solidFill>
